--- a/Snyder_Richard_Capstone_Presentation.pptx
+++ b/Snyder_Richard_Capstone_Presentation.pptx
@@ -215,7 +215,7 @@
           <a:p>
             <a:fld id="{A14AA1CD-0A87-46EA-9A5B-71A013871676}" type="datetimeFigureOut">
               <a:rPr lang="en-US" smtClean="0"/>
-              <a:t>7/13/2024</a:t>
+              <a:t>4/8/2025</a:t>
             </a:fld>
             <a:endParaRPr lang="en-US"/>
           </a:p>
@@ -2448,7 +2448,11 @@
           <a:p>
             <a:r>
               <a:rPr lang="en-US" baseline="0" dirty="0" smtClean="0"/>
-              <a:t>we can use lessons learned for other projects and the benefits it has are immense. We can consider the use of this model for other completely different divisions within GE. </a:t>
+              <a:t>We </a:t>
+            </a:r>
+            <a:r>
+              <a:rPr lang="en-US" baseline="0" dirty="0" smtClean="0"/>
+              <a:t>can use lessons learned for other projects and the benefits it has are immense. We can consider the use of this model for other completely different divisions within GE. </a:t>
             </a:r>
             <a:endParaRPr lang="en-US" dirty="0"/>
           </a:p>
@@ -6219,7 +6223,7 @@
                 </a:solidFill>
               </a:rPr>
               <a:pPr/>
-              <a:t>7/13/2024</a:t>
+              <a:t>4/8/2025</a:t>
             </a:fld>
             <a:endParaRPr lang="en-US">
               <a:solidFill>
@@ -6427,7 +6431,7 @@
                 </a:solidFill>
               </a:rPr>
               <a:pPr/>
-              <a:t>7/13/2024</a:t>
+              <a:t>4/8/2025</a:t>
             </a:fld>
             <a:endParaRPr lang="en-US">
               <a:solidFill>
@@ -6609,7 +6613,7 @@
                 </a:solidFill>
               </a:rPr>
               <a:pPr/>
-              <a:t>7/13/2024</a:t>
+              <a:t>4/8/2025</a:t>
             </a:fld>
             <a:endParaRPr lang="en-US">
               <a:solidFill>
@@ -8482,7 +8486,7 @@
                 </a:solidFill>
               </a:rPr>
               <a:pPr/>
-              <a:t>7/13/2024</a:t>
+              <a:t>4/8/2025</a:t>
             </a:fld>
             <a:endParaRPr lang="en-US">
               <a:solidFill>
@@ -10403,7 +10407,7 @@
                 </a:solidFill>
               </a:rPr>
               <a:pPr/>
-              <a:t>7/13/2024</a:t>
+              <a:t>4/8/2025</a:t>
             </a:fld>
             <a:endParaRPr lang="en-US">
               <a:solidFill>
@@ -10543,7 +10547,7 @@
                 </a:solidFill>
               </a:rPr>
               <a:pPr/>
-              <a:t>7/13/2024</a:t>
+              <a:t>4/8/2025</a:t>
             </a:fld>
             <a:endParaRPr lang="en-US">
               <a:solidFill>
@@ -11111,7 +11115,7 @@
                 </a:solidFill>
               </a:rPr>
               <a:pPr/>
-              <a:t>7/13/2024</a:t>
+              <a:t>4/8/2025</a:t>
             </a:fld>
             <a:endParaRPr lang="en-US">
               <a:solidFill>
@@ -11251,7 +11255,7 @@
                 </a:solidFill>
               </a:rPr>
               <a:pPr/>
-              <a:t>7/13/2024</a:t>
+              <a:t>4/8/2025</a:t>
             </a:fld>
             <a:endParaRPr lang="en-US">
               <a:solidFill>
@@ -13013,7 +13017,7 @@
                 </a:solidFill>
               </a:rPr>
               <a:pPr/>
-              <a:t>7/13/2024</a:t>
+              <a:t>4/8/2025</a:t>
             </a:fld>
             <a:endParaRPr lang="en-US">
               <a:solidFill>
@@ -13195,7 +13199,7 @@
                 </a:solidFill>
               </a:rPr>
               <a:pPr/>
-              <a:t>7/13/2024</a:t>
+              <a:t>4/8/2025</a:t>
             </a:fld>
             <a:endParaRPr lang="en-US">
               <a:solidFill>
@@ -16881,7 +16885,7 @@
                 </a:solidFill>
               </a:rPr>
               <a:pPr/>
-              <a:t>7/13/2024</a:t>
+              <a:t>4/8/2025</a:t>
             </a:fld>
             <a:endParaRPr lang="en-US">
               <a:solidFill>
@@ -18791,7 +18795,7 @@
                 </a:solidFill>
               </a:rPr>
               <a:pPr/>
-              <a:t>7/13/2024</a:t>
+              <a:t>4/8/2025</a:t>
             </a:fld>
             <a:endParaRPr lang="en-US">
               <a:solidFill>
@@ -20529,38 +20533,6 @@
       </p:sp>
       <p:sp>
         <p:nvSpPr>
-          <p:cNvPr id="5" name="Rectangle 4"/>
-          <p:cNvSpPr/>
-          <p:nvPr/>
-        </p:nvSpPr>
-        <p:spPr>
-          <a:xfrm>
-            <a:off x="9982200" y="861536"/>
-            <a:ext cx="4572000" cy="1477328"/>
-          </a:xfrm>
-          <a:prstGeom prst="rect">
-            <a:avLst/>
-          </a:prstGeom>
-        </p:spPr>
-        <p:txBody>
-          <a:bodyPr>
-            <a:spAutoFit/>
-          </a:bodyPr>
-          <a:lstStyle/>
-          <a:p>
-            <a:r>
-              <a:rPr lang="en-US" dirty="0" smtClean="0"/>
-              <a:t>CRISP-DM </a:t>
-            </a:r>
-            <a:r>
-              <a:rPr lang="en-US" dirty="0"/>
-              <a:t>Data Understanding Phase: Describe your data, explore your data, and verify your data (discuss the types of data in the dataset and rationale for inclusion or exclusion, descriptive statistics analysis).</a:t>
-            </a:r>
-          </a:p>
-        </p:txBody>
-      </p:sp>
-      <p:sp>
-        <p:nvSpPr>
           <p:cNvPr id="10" name="Title 1"/>
           <p:cNvSpPr txBox="1">
             <a:spLocks/>
@@ -20961,67 +20933,6 @@
       </p:sp>
       <p:pic>
         <p:nvPicPr>
-          <p:cNvPr id="4098" name="Picture 2"/>
-          <p:cNvPicPr>
-            <a:picLocks noChangeAspect="1" noChangeArrowheads="1"/>
-          </p:cNvPicPr>
-          <p:nvPr/>
-        </p:nvPicPr>
-        <p:blipFill>
-          <a:blip r:embed="rId3">
-            <a:extLst>
-              <a:ext uri="{28A0092B-C50C-407E-A947-70E740481C1C}">
-                <a14:useLocalDpi xmlns:a14="http://schemas.microsoft.com/office/drawing/2010/main" val="0"/>
-              </a:ext>
-            </a:extLst>
-          </a:blip>
-          <a:srcRect/>
-          <a:stretch>
-            <a:fillRect/>
-          </a:stretch>
-        </p:blipFill>
-        <p:spPr bwMode="auto">
-          <a:xfrm>
-            <a:off x="11506200" y="3959756"/>
-            <a:ext cx="1149396" cy="1080539"/>
-          </a:xfrm>
-          <a:prstGeom prst="rect">
-            <a:avLst/>
-          </a:prstGeom>
-          <a:noFill/>
-          <a:ln>
-            <a:noFill/>
-          </a:ln>
-          <a:effectLst>
-            <a:outerShdw blurRad="50800" dist="38100" dir="2700000" algn="tl" rotWithShape="0">
-              <a:prstClr val="black">
-                <a:alpha val="40000"/>
-              </a:prstClr>
-            </a:outerShdw>
-          </a:effectLst>
-          <a:extLst>
-            <a:ext uri="{909E8E84-426E-40DD-AFC4-6F175D3DCCD1}">
-              <a14:hiddenFill xmlns:a14="http://schemas.microsoft.com/office/drawing/2010/main">
-                <a:solidFill>
-                  <a:schemeClr val="accent1"/>
-                </a:solidFill>
-              </a14:hiddenFill>
-            </a:ext>
-            <a:ext uri="{91240B29-F687-4F45-9708-019B960494DF}">
-              <a14:hiddenLine xmlns:a14="http://schemas.microsoft.com/office/drawing/2010/main" w="9525">
-                <a:solidFill>
-                  <a:schemeClr val="tx1"/>
-                </a:solidFill>
-                <a:miter lim="800000"/>
-                <a:headEnd/>
-                <a:tailEnd/>
-              </a14:hiddenLine>
-            </a:ext>
-          </a:extLst>
-        </p:spPr>
-      </p:pic>
-      <p:pic>
-        <p:nvPicPr>
           <p:cNvPr id="4099" name="Picture 3"/>
           <p:cNvPicPr>
             <a:picLocks noChangeAspect="1" noChangeArrowheads="1"/>
@@ -21029,7 +20940,7 @@
           <p:nvPr/>
         </p:nvPicPr>
         <p:blipFill>
-          <a:blip r:embed="rId4" cstate="print">
+          <a:blip r:embed="rId3" cstate="print">
             <a:extLst>
               <a:ext uri="{28A0092B-C50C-407E-A947-70E740481C1C}">
                 <a14:useLocalDpi xmlns:a14="http://schemas.microsoft.com/office/drawing/2010/main" val="0"/>
@@ -21090,7 +21001,7 @@
           <p:nvPr/>
         </p:nvPicPr>
         <p:blipFill>
-          <a:blip r:embed="rId5">
+          <a:blip r:embed="rId4">
             <a:extLst>
               <a:ext uri="{28A0092B-C50C-407E-A947-70E740481C1C}">
                 <a14:useLocalDpi xmlns:a14="http://schemas.microsoft.com/office/drawing/2010/main" val="0"/>
@@ -21682,7 +21593,7 @@
             <p:nvPr/>
           </p:nvPicPr>
           <p:blipFill>
-            <a:blip r:embed="rId6" cstate="print">
+            <a:blip r:embed="rId5" cstate="print">
               <a:extLst>
                 <a:ext uri="{28A0092B-C50C-407E-A947-70E740481C1C}">
                   <a14:useLocalDpi xmlns:a14="http://schemas.microsoft.com/office/drawing/2010/main" val="0"/>
@@ -21896,38 +21807,6 @@
               <a:t>Data Understanding (Continued)</a:t>
             </a:r>
             <a:endParaRPr lang="en-US" sz="3200" dirty="0"/>
-          </a:p>
-        </p:txBody>
-      </p:sp>
-      <p:sp>
-        <p:nvSpPr>
-          <p:cNvPr id="5" name="Rectangle 4"/>
-          <p:cNvSpPr/>
-          <p:nvPr/>
-        </p:nvSpPr>
-        <p:spPr>
-          <a:xfrm>
-            <a:off x="9982200" y="861536"/>
-            <a:ext cx="4572000" cy="1477328"/>
-          </a:xfrm>
-          <a:prstGeom prst="rect">
-            <a:avLst/>
-          </a:prstGeom>
-        </p:spPr>
-        <p:txBody>
-          <a:bodyPr>
-            <a:spAutoFit/>
-          </a:bodyPr>
-          <a:lstStyle/>
-          <a:p>
-            <a:r>
-              <a:rPr lang="en-US" dirty="0" smtClean="0"/>
-              <a:t>CRISP-DM </a:t>
-            </a:r>
-            <a:r>
-              <a:rPr lang="en-US" dirty="0"/>
-              <a:t>Data Understanding Phase: Describe your data, explore your data, and verify your data (discuss the types of data in the dataset and rationale for inclusion or exclusion, descriptive statistics analysis).</a:t>
-            </a:r>
           </a:p>
         </p:txBody>
       </p:sp>
@@ -23162,38 +23041,6 @@
       </p:sp>
       <p:sp>
         <p:nvSpPr>
-          <p:cNvPr id="8" name="Rectangle 7"/>
-          <p:cNvSpPr/>
-          <p:nvPr/>
-        </p:nvSpPr>
-        <p:spPr>
-          <a:xfrm>
-            <a:off x="10439400" y="1143000"/>
-            <a:ext cx="4572000" cy="3970318"/>
-          </a:xfrm>
-          <a:prstGeom prst="rect">
-            <a:avLst/>
-          </a:prstGeom>
-        </p:spPr>
-        <p:txBody>
-          <a:bodyPr>
-            <a:spAutoFit/>
-          </a:bodyPr>
-          <a:lstStyle/>
-          <a:p>
-            <a:r>
-              <a:rPr lang="en-US" b="1" dirty="0"/>
-              <a:t>Plan Definition: </a:t>
-            </a:r>
-            <a:r>
-              <a:rPr lang="en-US" dirty="0"/>
-              <a:t>This should include the CRISP-DM Data Preparation phase: Create a data analytic architecture pattern; include the details for full implementation. Details will need to address data quality, data integrity, and protection specific to the organization, industry, and problem that you are addressing. You will create visualizations representing your solutions for various stakeholders that you will need to identify. Develop a project plan detailing the involved stakeholders, the timeline, and strategies for professional and effective collaboration to be used to ensure success.</a:t>
-            </a:r>
-          </a:p>
-        </p:txBody>
-      </p:sp>
-      <p:sp>
-        <p:nvSpPr>
           <p:cNvPr id="7" name="Rectangle 6"/>
           <p:cNvSpPr/>
           <p:nvPr/>
@@ -23835,38 +23682,6 @@
               <a:t>Plan Definition</a:t>
             </a:r>
             <a:endParaRPr lang="en-US" sz="3200" dirty="0"/>
-          </a:p>
-        </p:txBody>
-      </p:sp>
-      <p:sp>
-        <p:nvSpPr>
-          <p:cNvPr id="8" name="Rectangle 7"/>
-          <p:cNvSpPr/>
-          <p:nvPr/>
-        </p:nvSpPr>
-        <p:spPr>
-          <a:xfrm>
-            <a:off x="10439400" y="1143000"/>
-            <a:ext cx="4572000" cy="3970318"/>
-          </a:xfrm>
-          <a:prstGeom prst="rect">
-            <a:avLst/>
-          </a:prstGeom>
-        </p:spPr>
-        <p:txBody>
-          <a:bodyPr>
-            <a:spAutoFit/>
-          </a:bodyPr>
-          <a:lstStyle/>
-          <a:p>
-            <a:r>
-              <a:rPr lang="en-US" b="1" dirty="0"/>
-              <a:t>Plan Definition: </a:t>
-            </a:r>
-            <a:r>
-              <a:rPr lang="en-US" dirty="0"/>
-              <a:t>This should include the CRISP-DM Data Preparation phase: Create a data analytic architecture pattern; include the details for full implementation. Details will need to address data quality, data integrity, and protection specific to the organization, industry, and problem that you are addressing. You will create visualizations representing your solutions for various stakeholders that you will need to identify. Develop a project plan detailing the involved stakeholders, the timeline, and strategies for professional and effective collaboration to be used to ensure success.</a:t>
-            </a:r>
           </a:p>
         </p:txBody>
       </p:sp>
@@ -24635,35 +24450,6 @@
               <a:t>Model</a:t>
             </a:r>
             <a:endParaRPr lang="en-US" sz="3200" dirty="0"/>
-          </a:p>
-        </p:txBody>
-      </p:sp>
-      <p:sp>
-        <p:nvSpPr>
-          <p:cNvPr id="6" name="Rectangle 5"/>
-          <p:cNvSpPr/>
-          <p:nvPr/>
-        </p:nvSpPr>
-        <p:spPr>
-          <a:xfrm>
-            <a:off x="9753600" y="1391663"/>
-            <a:ext cx="4572000" cy="2031325"/>
-          </a:xfrm>
-          <a:prstGeom prst="rect">
-            <a:avLst/>
-          </a:prstGeom>
-        </p:spPr>
-        <p:txBody>
-          <a:bodyPr>
-            <a:spAutoFit/>
-          </a:bodyPr>
-          <a:lstStyle/>
-          <a:p>
-            <a:r>
-              <a:rPr lang="en-US" dirty="0" smtClean="0"/>
-              <a:t>You will create visualizations representing your solutions for various stakeholders that you will need to identify. Develop a project plan detailing the involved stakeholders, the timeline, and strategies for professional and effective collaboration to be used to ensure success.</a:t>
-            </a:r>
-            <a:endParaRPr lang="en-US" dirty="0"/>
           </a:p>
         </p:txBody>
       </p:sp>
@@ -34981,38 +34767,6 @@
           </a:p>
         </p:txBody>
       </p:sp>
-      <p:sp>
-        <p:nvSpPr>
-          <p:cNvPr id="5" name="Rectangle 4"/>
-          <p:cNvSpPr/>
-          <p:nvPr/>
-        </p:nvSpPr>
-        <p:spPr>
-          <a:xfrm>
-            <a:off x="9982200" y="861536"/>
-            <a:ext cx="4572000" cy="1477328"/>
-          </a:xfrm>
-          <a:prstGeom prst="rect">
-            <a:avLst/>
-          </a:prstGeom>
-        </p:spPr>
-        <p:txBody>
-          <a:bodyPr>
-            <a:spAutoFit/>
-          </a:bodyPr>
-          <a:lstStyle/>
-          <a:p>
-            <a:r>
-              <a:rPr lang="en-US" dirty="0" smtClean="0"/>
-              <a:t>CRISP-DM </a:t>
-            </a:r>
-            <a:r>
-              <a:rPr lang="en-US" dirty="0"/>
-              <a:t>Data Understanding Phase: Describe your data, explore your data, and verify your data (discuss the types of data in the dataset and rationale for inclusion or exclusion, descriptive statistics analysis).</a:t>
-            </a:r>
-          </a:p>
-        </p:txBody>
-      </p:sp>
       <p:pic>
         <p:nvPicPr>
           <p:cNvPr id="6" name="Picture 5"/>
@@ -35666,38 +35420,6 @@
           </a:p>
         </p:txBody>
       </p:sp>
-      <p:sp>
-        <p:nvSpPr>
-          <p:cNvPr id="5" name="Rectangle 4"/>
-          <p:cNvSpPr/>
-          <p:nvPr/>
-        </p:nvSpPr>
-        <p:spPr>
-          <a:xfrm>
-            <a:off x="9982200" y="861536"/>
-            <a:ext cx="4572000" cy="1477328"/>
-          </a:xfrm>
-          <a:prstGeom prst="rect">
-            <a:avLst/>
-          </a:prstGeom>
-        </p:spPr>
-        <p:txBody>
-          <a:bodyPr>
-            <a:spAutoFit/>
-          </a:bodyPr>
-          <a:lstStyle/>
-          <a:p>
-            <a:r>
-              <a:rPr lang="en-US" dirty="0" smtClean="0"/>
-              <a:t>CRISP-DM </a:t>
-            </a:r>
-            <a:r>
-              <a:rPr lang="en-US" dirty="0"/>
-              <a:t>Data Understanding Phase: Describe your data, explore your data, and verify your data (discuss the types of data in the dataset and rationale for inclusion or exclusion, descriptive statistics analysis).</a:t>
-            </a:r>
-          </a:p>
-        </p:txBody>
-      </p:sp>
       <p:pic>
         <p:nvPicPr>
           <p:cNvPr id="3074" name="Picture 2"/>
@@ -36726,38 +36448,6 @@
               <a:t>Data Understanding (Continued)</a:t>
             </a:r>
             <a:endParaRPr lang="en-US" sz="3200" dirty="0"/>
-          </a:p>
-        </p:txBody>
-      </p:sp>
-      <p:sp>
-        <p:nvSpPr>
-          <p:cNvPr id="5" name="Rectangle 4"/>
-          <p:cNvSpPr/>
-          <p:nvPr/>
-        </p:nvSpPr>
-        <p:spPr>
-          <a:xfrm>
-            <a:off x="9982200" y="861536"/>
-            <a:ext cx="4572000" cy="1477328"/>
-          </a:xfrm>
-          <a:prstGeom prst="rect">
-            <a:avLst/>
-          </a:prstGeom>
-        </p:spPr>
-        <p:txBody>
-          <a:bodyPr>
-            <a:spAutoFit/>
-          </a:bodyPr>
-          <a:lstStyle/>
-          <a:p>
-            <a:r>
-              <a:rPr lang="en-US" dirty="0" smtClean="0"/>
-              <a:t>CRISP-DM </a:t>
-            </a:r>
-            <a:r>
-              <a:rPr lang="en-US" dirty="0"/>
-              <a:t>Data Understanding Phase: Describe your data, explore your data, and verify your data (discuss the types of data in the dataset and rationale for inclusion or exclusion, descriptive statistics analysis).</a:t>
-            </a:r>
           </a:p>
         </p:txBody>
       </p:sp>
